--- a/labs/lab5/presentation/presentation5.pptx
+++ b/labs/lab5/presentation/presentation5.pptx
@@ -1,6 +1,6 @@
 
 <file path=ppt/presentation.xml><?xml version="1.0" encoding="utf-8"?>
-<p:presentation xmlns:a="http://schemas.openxmlformats.org/drawingml/2006/main" xmlns:p="http://schemas.openxmlformats.org/presentationml/2006/main" xmlns:r="http://schemas.openxmlformats.org/officeDocument/2006/relationships" autoCompressPictures="0" saveSubsetFonts="1">
+<p:presentation xmlns:a="http://schemas.openxmlformats.org/drawingml/2006/main" xmlns:r="http://schemas.openxmlformats.org/officeDocument/2006/relationships" xmlns:p="http://schemas.openxmlformats.org/presentationml/2006/main" saveSubsetFonts="1" autoCompressPictures="0">
   <p:sldMasterIdLst>
     <p:sldMasterId id="2147483648" r:id="rId1"/>
   </p:sldMasterIdLst>
@@ -13,10 +13,8 @@
     <p:sldId id="261" r:id="rId7"/>
     <p:sldId id="262" r:id="rId8"/>
     <p:sldId id="263" r:id="rId9"/>
-    <p:sldId id="264" r:id="rId10"/>
-    <p:sldId id="265" r:id="rId11"/>
-    <p:sldId id="266" r:id="rId12"/>
-    <p:sldId id="267" r:id="rId13"/>
+    <p:sldId id="266" r:id="rId10"/>
+    <p:sldId id="267" r:id="rId11"/>
   </p:sldIdLst>
   <p:sldSz cx="9144000" cy="5143500" type="screen16x9"/>
   <p:notesSz cx="6858000" cy="9144000"/>
@@ -24,8 +22,8 @@
     <a:defPPr>
       <a:defRPr lang="en-US"/>
     </a:defPPr>
-    <a:lvl1pPr algn="l" defTabSz="457200" eaLnBrk="1" hangingPunct="1" latinLnBrk="0" marL="0" rtl="0">
-      <a:defRPr kern="1200" sz="1800">
+    <a:lvl1pPr marL="0" algn="l" defTabSz="457200" rtl="0" eaLnBrk="1" latinLnBrk="0" hangingPunct="1">
+      <a:defRPr sz="1800" kern="1200">
         <a:solidFill>
           <a:schemeClr val="tx1"/>
         </a:solidFill>
@@ -34,8 +32,8 @@
         <a:cs typeface="+mn-cs"/>
       </a:defRPr>
     </a:lvl1pPr>
-    <a:lvl2pPr algn="l" defTabSz="457200" eaLnBrk="1" hangingPunct="1" latinLnBrk="0" marL="457200" rtl="0">
-      <a:defRPr kern="1200" sz="1800">
+    <a:lvl2pPr marL="457200" algn="l" defTabSz="457200" rtl="0" eaLnBrk="1" latinLnBrk="0" hangingPunct="1">
+      <a:defRPr sz="1800" kern="1200">
         <a:solidFill>
           <a:schemeClr val="tx1"/>
         </a:solidFill>
@@ -44,8 +42,8 @@
         <a:cs typeface="+mn-cs"/>
       </a:defRPr>
     </a:lvl2pPr>
-    <a:lvl3pPr algn="l" defTabSz="457200" eaLnBrk="1" hangingPunct="1" latinLnBrk="0" marL="914400" rtl="0">
-      <a:defRPr kern="1200" sz="1800">
+    <a:lvl3pPr marL="914400" algn="l" defTabSz="457200" rtl="0" eaLnBrk="1" latinLnBrk="0" hangingPunct="1">
+      <a:defRPr sz="1800" kern="1200">
         <a:solidFill>
           <a:schemeClr val="tx1"/>
         </a:solidFill>
@@ -54,8 +52,8 @@
         <a:cs typeface="+mn-cs"/>
       </a:defRPr>
     </a:lvl3pPr>
-    <a:lvl4pPr algn="l" defTabSz="457200" eaLnBrk="1" hangingPunct="1" latinLnBrk="0" marL="1371600" rtl="0">
-      <a:defRPr kern="1200" sz="1800">
+    <a:lvl4pPr marL="1371600" algn="l" defTabSz="457200" rtl="0" eaLnBrk="1" latinLnBrk="0" hangingPunct="1">
+      <a:defRPr sz="1800" kern="1200">
         <a:solidFill>
           <a:schemeClr val="tx1"/>
         </a:solidFill>
@@ -64,8 +62,8 @@
         <a:cs typeface="+mn-cs"/>
       </a:defRPr>
     </a:lvl4pPr>
-    <a:lvl5pPr algn="l" defTabSz="457200" eaLnBrk="1" hangingPunct="1" latinLnBrk="0" marL="1828800" rtl="0">
-      <a:defRPr kern="1200" sz="1800">
+    <a:lvl5pPr marL="1828800" algn="l" defTabSz="457200" rtl="0" eaLnBrk="1" latinLnBrk="0" hangingPunct="1">
+      <a:defRPr sz="1800" kern="1200">
         <a:solidFill>
           <a:schemeClr val="tx1"/>
         </a:solidFill>
@@ -74,8 +72,8 @@
         <a:cs typeface="+mn-cs"/>
       </a:defRPr>
     </a:lvl5pPr>
-    <a:lvl6pPr algn="l" defTabSz="457200" eaLnBrk="1" hangingPunct="1" latinLnBrk="0" marL="2286000" rtl="0">
-      <a:defRPr kern="1200" sz="1800">
+    <a:lvl6pPr marL="2286000" algn="l" defTabSz="457200" rtl="0" eaLnBrk="1" latinLnBrk="0" hangingPunct="1">
+      <a:defRPr sz="1800" kern="1200">
         <a:solidFill>
           <a:schemeClr val="tx1"/>
         </a:solidFill>
@@ -84,8 +82,8 @@
         <a:cs typeface="+mn-cs"/>
       </a:defRPr>
     </a:lvl6pPr>
-    <a:lvl7pPr algn="l" defTabSz="457200" eaLnBrk="1" hangingPunct="1" latinLnBrk="0" marL="2743200" rtl="0">
-      <a:defRPr kern="1200" sz="1800">
+    <a:lvl7pPr marL="2743200" algn="l" defTabSz="457200" rtl="0" eaLnBrk="1" latinLnBrk="0" hangingPunct="1">
+      <a:defRPr sz="1800" kern="1200">
         <a:solidFill>
           <a:schemeClr val="tx1"/>
         </a:solidFill>
@@ -94,8 +92,8 @@
         <a:cs typeface="+mn-cs"/>
       </a:defRPr>
     </a:lvl7pPr>
-    <a:lvl8pPr algn="l" defTabSz="457200" eaLnBrk="1" hangingPunct="1" latinLnBrk="0" marL="3200400" rtl="0">
-      <a:defRPr kern="1200" sz="1800">
+    <a:lvl8pPr marL="3200400" algn="l" defTabSz="457200" rtl="0" eaLnBrk="1" latinLnBrk="0" hangingPunct="1">
+      <a:defRPr sz="1800" kern="1200">
         <a:solidFill>
           <a:schemeClr val="tx1"/>
         </a:solidFill>
@@ -104,8 +102,8 @@
         <a:cs typeface="+mn-cs"/>
       </a:defRPr>
     </a:lvl8pPr>
-    <a:lvl9pPr algn="l" defTabSz="457200" eaLnBrk="1" hangingPunct="1" latinLnBrk="0" marL="3657600" rtl="0">
-      <a:defRPr kern="1200" sz="1800">
+    <a:lvl9pPr marL="3657600" algn="l" defTabSz="457200" rtl="0" eaLnBrk="1" latinLnBrk="0" hangingPunct="1">
+      <a:defRPr sz="1800" kern="1200">
         <a:solidFill>
           <a:schemeClr val="tx1"/>
         </a:solidFill>
@@ -313,7 +311,7 @@
           <a:p>
             <a:fld id="{241EB5C9-1307-BA42-ABA2-0BC069CD8E7F}" type="datetimeFigureOut">
               <a:rPr lang="en-US" smtClean="0"/>
-              <a:t>1/2/22</a:t>
+              <a:t>4/14/2024</a:t>
             </a:fld>
             <a:endParaRPr lang="en-US"/>
           </a:p>
@@ -355,7 +353,7 @@
           <a:p>
             <a:fld id="{C5EF2332-01BF-834F-8236-50238282D533}" type="slidenum">
               <a:rPr lang="en-US" smtClean="0"/>
-              <a:t>‹#›</a:t>
+              <a:t>‹N°›</a:t>
             </a:fld>
             <a:endParaRPr lang="en-US"/>
           </a:p>
@@ -481,7 +479,7 @@
           <a:p>
             <a:fld id="{241EB5C9-1307-BA42-ABA2-0BC069CD8E7F}" type="datetimeFigureOut">
               <a:rPr lang="en-US" smtClean="0"/>
-              <a:t>1/2/22</a:t>
+              <a:t>4/14/2024</a:t>
             </a:fld>
             <a:endParaRPr lang="en-US"/>
           </a:p>
@@ -523,7 +521,7 @@
           <a:p>
             <a:fld id="{C5EF2332-01BF-834F-8236-50238282D533}" type="slidenum">
               <a:rPr lang="en-US" smtClean="0"/>
-              <a:t>‹#›</a:t>
+              <a:t>‹N°›</a:t>
             </a:fld>
             <a:endParaRPr lang="en-US"/>
           </a:p>
@@ -659,7 +657,7 @@
           <a:p>
             <a:fld id="{241EB5C9-1307-BA42-ABA2-0BC069CD8E7F}" type="datetimeFigureOut">
               <a:rPr lang="en-US" smtClean="0"/>
-              <a:t>1/2/22</a:t>
+              <a:t>4/14/2024</a:t>
             </a:fld>
             <a:endParaRPr lang="en-US"/>
           </a:p>
@@ -701,7 +699,7 @@
           <a:p>
             <a:fld id="{C5EF2332-01BF-834F-8236-50238282D533}" type="slidenum">
               <a:rPr lang="en-US" smtClean="0"/>
-              <a:t>‹#›</a:t>
+              <a:t>‹N°›</a:t>
             </a:fld>
             <a:endParaRPr lang="en-US"/>
           </a:p>
@@ -827,7 +825,7 @@
           <a:p>
             <a:fld id="{241EB5C9-1307-BA42-ABA2-0BC069CD8E7F}" type="datetimeFigureOut">
               <a:rPr lang="en-US" smtClean="0"/>
-              <a:t>1/2/22</a:t>
+              <a:t>4/14/2024</a:t>
             </a:fld>
             <a:endParaRPr lang="en-US"/>
           </a:p>
@@ -869,7 +867,7 @@
           <a:p>
             <a:fld id="{C5EF2332-01BF-834F-8236-50238282D533}" type="slidenum">
               <a:rPr lang="en-US" smtClean="0"/>
-              <a:t>‹#›</a:t>
+              <a:t>‹N°›</a:t>
             </a:fld>
             <a:endParaRPr lang="en-US"/>
           </a:p>
@@ -1072,7 +1070,7 @@
           <a:p>
             <a:fld id="{241EB5C9-1307-BA42-ABA2-0BC069CD8E7F}" type="datetimeFigureOut">
               <a:rPr lang="en-US" smtClean="0"/>
-              <a:t>1/2/22</a:t>
+              <a:t>4/14/2024</a:t>
             </a:fld>
             <a:endParaRPr lang="en-US"/>
           </a:p>
@@ -1114,7 +1112,7 @@
           <a:p>
             <a:fld id="{C5EF2332-01BF-834F-8236-50238282D533}" type="slidenum">
               <a:rPr lang="en-US" smtClean="0"/>
-              <a:t>‹#›</a:t>
+              <a:t>‹N°›</a:t>
             </a:fld>
             <a:endParaRPr lang="en-US"/>
           </a:p>
@@ -1357,7 +1355,7 @@
           <a:p>
             <a:fld id="{241EB5C9-1307-BA42-ABA2-0BC069CD8E7F}" type="datetimeFigureOut">
               <a:rPr lang="en-US" smtClean="0"/>
-              <a:t>1/2/22</a:t>
+              <a:t>4/14/2024</a:t>
             </a:fld>
             <a:endParaRPr lang="en-US"/>
           </a:p>
@@ -1399,7 +1397,7 @@
           <a:p>
             <a:fld id="{C5EF2332-01BF-834F-8236-50238282D533}" type="slidenum">
               <a:rPr lang="en-US" smtClean="0"/>
-              <a:t>‹#›</a:t>
+              <a:t>‹N°›</a:t>
             </a:fld>
             <a:endParaRPr lang="en-US"/>
           </a:p>
@@ -1776,7 +1774,7 @@
           <a:p>
             <a:fld id="{241EB5C9-1307-BA42-ABA2-0BC069CD8E7F}" type="datetimeFigureOut">
               <a:rPr lang="en-US" smtClean="0"/>
-              <a:t>1/2/22</a:t>
+              <a:t>4/14/2024</a:t>
             </a:fld>
             <a:endParaRPr lang="en-US"/>
           </a:p>
@@ -1818,7 +1816,7 @@
           <a:p>
             <a:fld id="{C5EF2332-01BF-834F-8236-50238282D533}" type="slidenum">
               <a:rPr lang="en-US" smtClean="0"/>
-              <a:t>‹#›</a:t>
+              <a:t>‹N°›</a:t>
             </a:fld>
             <a:endParaRPr lang="en-US"/>
           </a:p>
@@ -1893,7 +1891,7 @@
           <a:p>
             <a:fld id="{241EB5C9-1307-BA42-ABA2-0BC069CD8E7F}" type="datetimeFigureOut">
               <a:rPr lang="en-US" smtClean="0"/>
-              <a:t>1/2/22</a:t>
+              <a:t>4/14/2024</a:t>
             </a:fld>
             <a:endParaRPr lang="en-US"/>
           </a:p>
@@ -1935,7 +1933,7 @@
           <a:p>
             <a:fld id="{C5EF2332-01BF-834F-8236-50238282D533}" type="slidenum">
               <a:rPr lang="en-US" smtClean="0"/>
-              <a:t>‹#›</a:t>
+              <a:t>‹N°›</a:t>
             </a:fld>
             <a:endParaRPr lang="en-US"/>
           </a:p>
@@ -1988,7 +1986,7 @@
           <a:p>
             <a:fld id="{241EB5C9-1307-BA42-ABA2-0BC069CD8E7F}" type="datetimeFigureOut">
               <a:rPr lang="en-US" smtClean="0"/>
-              <a:t>1/2/22</a:t>
+              <a:t>4/14/2024</a:t>
             </a:fld>
             <a:endParaRPr lang="en-US"/>
           </a:p>
@@ -2030,7 +2028,7 @@
           <a:p>
             <a:fld id="{C5EF2332-01BF-834F-8236-50238282D533}" type="slidenum">
               <a:rPr lang="en-US" smtClean="0"/>
-              <a:t>‹#›</a:t>
+              <a:t>‹N°›</a:t>
             </a:fld>
             <a:endParaRPr lang="en-US"/>
           </a:p>
@@ -2263,7 +2261,7 @@
           <a:p>
             <a:fld id="{241EB5C9-1307-BA42-ABA2-0BC069CD8E7F}" type="datetimeFigureOut">
               <a:rPr lang="en-US" smtClean="0"/>
-              <a:t>1/2/22</a:t>
+              <a:t>4/14/2024</a:t>
             </a:fld>
             <a:endParaRPr lang="en-US"/>
           </a:p>
@@ -2305,7 +2303,7 @@
           <a:p>
             <a:fld id="{C5EF2332-01BF-834F-8236-50238282D533}" type="slidenum">
               <a:rPr lang="en-US" smtClean="0"/>
-              <a:t>‹#›</a:t>
+              <a:t>‹N°›</a:t>
             </a:fld>
             <a:endParaRPr lang="en-US"/>
           </a:p>
@@ -2515,7 +2513,7 @@
           <a:p>
             <a:fld id="{241EB5C9-1307-BA42-ABA2-0BC069CD8E7F}" type="datetimeFigureOut">
               <a:rPr lang="en-US" smtClean="0"/>
-              <a:t>1/2/22</a:t>
+              <a:t>4/14/2024</a:t>
             </a:fld>
             <a:endParaRPr lang="en-US"/>
           </a:p>
@@ -2557,7 +2555,7 @@
           <a:p>
             <a:fld id="{C5EF2332-01BF-834F-8236-50238282D533}" type="slidenum">
               <a:rPr lang="en-US" smtClean="0"/>
-              <a:t>‹#›</a:t>
+              <a:t>‹N°›</a:t>
             </a:fld>
             <a:endParaRPr lang="en-US"/>
           </a:p>
@@ -2577,7 +2575,7 @@
 </file>
 
 <file path=ppt/slideMasters/slideMaster1.xml><?xml version="1.0" encoding="utf-8"?>
-<p:sldMaster xmlns:a="http://schemas.openxmlformats.org/drawingml/2006/main" xmlns:p="http://schemas.openxmlformats.org/presentationml/2006/main" xmlns:r="http://schemas.openxmlformats.org/officeDocument/2006/relationships">
+<p:sldMaster xmlns:a="http://schemas.openxmlformats.org/drawingml/2006/main" xmlns:r="http://schemas.openxmlformats.org/officeDocument/2006/relationships" xmlns:p="http://schemas.openxmlformats.org/presentationml/2006/main">
   <p:cSld>
     <p:bg>
       <p:bgRef idx="1001">
@@ -2618,7 +2616,7 @@
           </a:prstGeom>
         </p:spPr>
         <p:txBody>
-          <a:bodyPr anchor="ctr" bIns="45720" lIns="91440" rIns="91440" rtlCol="0" tIns="45720" vert="horz">
+          <a:bodyPr vert="horz" lIns="91440" tIns="45720" rIns="91440" bIns="45720" rtlCol="0" anchor="ctr">
             <a:normAutofit/>
           </a:bodyPr>
           <a:lstStyle/>
@@ -2637,7 +2635,7 @@
             <a:spLocks noGrp="1"/>
           </p:cNvSpPr>
           <p:nvPr>
-            <p:ph idx="1" type="body"/>
+            <p:ph type="body" idx="1"/>
           </p:nvPr>
         </p:nvSpPr>
         <p:spPr>
@@ -2650,7 +2648,7 @@
           </a:prstGeom>
         </p:spPr>
         <p:txBody>
-          <a:bodyPr bIns="45720" lIns="91440" rIns="91440" rtlCol="0" tIns="45720" vert="horz">
+          <a:bodyPr vert="horz" lIns="91440" tIns="45720" rIns="91440" bIns="45720" rtlCol="0">
             <a:normAutofit/>
           </a:bodyPr>
           <a:lstStyle/>
@@ -2698,7 +2696,7 @@
             <a:spLocks noGrp="1"/>
           </p:cNvSpPr>
           <p:nvPr>
-            <p:ph idx="2" sz="half" type="dt"/>
+            <p:ph type="dt" sz="half" idx="2"/>
           </p:nvPr>
         </p:nvSpPr>
         <p:spPr>
@@ -2711,7 +2709,7 @@
           </a:prstGeom>
         </p:spPr>
         <p:txBody>
-          <a:bodyPr anchor="ctr" bIns="45720" lIns="91440" rIns="91440" rtlCol="0" tIns="45720" vert="horz"/>
+          <a:bodyPr vert="horz" lIns="91440" tIns="45720" rIns="91440" bIns="45720" rtlCol="0" anchor="ctr"/>
           <a:lstStyle>
             <a:lvl1pPr algn="l">
               <a:defRPr sz="900">
@@ -2726,7 +2724,7 @@
           <a:p>
             <a:fld id="{241EB5C9-1307-BA42-ABA2-0BC069CD8E7F}" type="datetimeFigureOut">
               <a:rPr lang="en-US" smtClean="0"/>
-              <a:t>1/2/22</a:t>
+              <a:t>4/14/2024</a:t>
             </a:fld>
             <a:endParaRPr lang="en-US"/>
           </a:p>
@@ -2739,7 +2737,7 @@
             <a:spLocks noGrp="1"/>
           </p:cNvSpPr>
           <p:nvPr>
-            <p:ph idx="3" sz="quarter" type="ftr"/>
+            <p:ph type="ftr" sz="quarter" idx="3"/>
           </p:nvPr>
         </p:nvSpPr>
         <p:spPr>
@@ -2752,7 +2750,7 @@
           </a:prstGeom>
         </p:spPr>
         <p:txBody>
-          <a:bodyPr anchor="ctr" bIns="45720" lIns="91440" rIns="91440" rtlCol="0" tIns="45720" vert="horz"/>
+          <a:bodyPr vert="horz" lIns="91440" tIns="45720" rIns="91440" bIns="45720" rtlCol="0" anchor="ctr"/>
           <a:lstStyle>
             <a:lvl1pPr algn="ctr">
               <a:defRPr sz="900">
@@ -2776,7 +2774,7 @@
             <a:spLocks noGrp="1"/>
           </p:cNvSpPr>
           <p:nvPr>
-            <p:ph idx="4" sz="quarter" type="sldNum"/>
+            <p:ph type="sldNum" sz="quarter" idx="4"/>
           </p:nvPr>
         </p:nvSpPr>
         <p:spPr>
@@ -2789,7 +2787,7 @@
           </a:prstGeom>
         </p:spPr>
         <p:txBody>
-          <a:bodyPr anchor="ctr" bIns="45720" lIns="91440" rIns="91440" rtlCol="0" tIns="45720" vert="horz"/>
+          <a:bodyPr vert="horz" lIns="91440" tIns="45720" rIns="91440" bIns="45720" rtlCol="0" anchor="ctr"/>
           <a:lstStyle>
             <a:lvl1pPr algn="r">
               <a:defRPr sz="900">
@@ -2804,7 +2802,7 @@
           <a:p>
             <a:fld id="{C5EF2332-01BF-834F-8236-50238282D533}" type="slidenum">
               <a:rPr lang="en-US" smtClean="0"/>
-              <a:t>‹#›</a:t>
+              <a:t>‹N°›</a:t>
             </a:fld>
             <a:endParaRPr lang="en-US"/>
           </a:p>
@@ -2817,7 +2815,7 @@
       </p:ext>
     </p:extLst>
   </p:cSld>
-  <p:clrMap accent1="accent1" accent2="accent2" accent3="accent3" accent4="accent4" accent5="accent5" accent6="accent6" bg1="lt1" bg2="lt2" folHlink="folHlink" hlink="hlink" tx1="dk1" tx2="dk2"/>
+  <p:clrMap bg1="lt1" tx1="dk1" bg2="lt2" tx2="dk2" accent1="accent1" accent2="accent2" accent3="accent3" accent4="accent4" accent5="accent5" accent6="accent6" hlink="hlink" folHlink="folHlink"/>
   <p:sldLayoutIdLst>
     <p:sldLayoutId id="2147483649" r:id="rId1"/>
     <p:sldLayoutId id="2147483650" r:id="rId2"/>
@@ -2833,12 +2831,12 @@
   </p:sldLayoutIdLst>
   <p:txStyles>
     <p:titleStyle>
-      <a:lvl1pPr algn="ctr" defTabSz="342900" eaLnBrk="1" hangingPunct="1" latinLnBrk="0" rtl="0">
+      <a:lvl1pPr algn="ctr" defTabSz="342900" rtl="0" eaLnBrk="1" latinLnBrk="0" hangingPunct="1">
         <a:spcBef>
           <a:spcPct val="0"/>
         </a:spcBef>
         <a:buNone/>
-        <a:defRPr kern="1200" sz="3300">
+        <a:defRPr sz="3300" kern="1200">
           <a:solidFill>
             <a:schemeClr val="tx1"/>
           </a:solidFill>
@@ -2849,13 +2847,13 @@
       </a:lvl1pPr>
     </p:titleStyle>
     <p:bodyStyle>
-      <a:lvl1pPr algn="l" defTabSz="342900" eaLnBrk="1" hangingPunct="1" indent="-342900" latinLnBrk="0" marL="342900" rtl="0">
+      <a:lvl1pPr marL="342900" indent="-342900" algn="l" defTabSz="342900" rtl="0" eaLnBrk="1" latinLnBrk="0" hangingPunct="1">
         <a:spcBef>
           <a:spcPct val="20000"/>
         </a:spcBef>
         <a:buFont typeface="Arial"/>
         <a:buChar char="•"/>
-        <a:defRPr kern="1200" sz="2400">
+        <a:defRPr sz="2400" kern="1200">
           <a:solidFill>
             <a:schemeClr val="tx1"/>
           </a:solidFill>
@@ -2864,13 +2862,13 @@
           <a:cs typeface="+mn-cs"/>
         </a:defRPr>
       </a:lvl1pPr>
-      <a:lvl2pPr algn="l" defTabSz="342900" eaLnBrk="1" hangingPunct="1" indent="-342900" latinLnBrk="0" marL="685800" rtl="0">
+      <a:lvl2pPr marL="685800" indent="-342900" algn="l" defTabSz="342900" rtl="0" eaLnBrk="1" latinLnBrk="0" hangingPunct="1">
         <a:spcBef>
           <a:spcPct val="20000"/>
         </a:spcBef>
         <a:buFont typeface="Arial"/>
         <a:buChar char="–"/>
-        <a:defRPr kern="1200" sz="2100">
+        <a:defRPr sz="2100" kern="1200">
           <a:solidFill>
             <a:schemeClr val="tx1"/>
           </a:solidFill>
@@ -2879,13 +2877,13 @@
           <a:cs typeface="+mn-cs"/>
         </a:defRPr>
       </a:lvl2pPr>
-      <a:lvl3pPr algn="l" defTabSz="342900" eaLnBrk="1" hangingPunct="1" indent="-342900" latinLnBrk="0" marL="1028700" rtl="0">
+      <a:lvl3pPr marL="1028700" indent="-342900" algn="l" defTabSz="342900" rtl="0" eaLnBrk="1" latinLnBrk="0" hangingPunct="1">
         <a:spcBef>
           <a:spcPct val="20000"/>
         </a:spcBef>
         <a:buFont typeface="Arial"/>
         <a:buChar char="•"/>
-        <a:defRPr kern="1200" sz="1800">
+        <a:defRPr sz="1800" kern="1200">
           <a:solidFill>
             <a:schemeClr val="tx1"/>
           </a:solidFill>
@@ -2894,13 +2892,13 @@
           <a:cs typeface="+mn-cs"/>
         </a:defRPr>
       </a:lvl3pPr>
-      <a:lvl4pPr algn="l" defTabSz="342900" eaLnBrk="1" hangingPunct="1" indent="-342900" latinLnBrk="0" marL="1371600" rtl="0">
+      <a:lvl4pPr marL="1371600" indent="-342900" algn="l" defTabSz="342900" rtl="0" eaLnBrk="1" latinLnBrk="0" hangingPunct="1">
         <a:spcBef>
           <a:spcPct val="20000"/>
         </a:spcBef>
         <a:buFont typeface="Arial"/>
         <a:buChar char="–"/>
-        <a:defRPr kern="1200" sz="1500">
+        <a:defRPr sz="1500" kern="1200">
           <a:solidFill>
             <a:schemeClr val="tx1"/>
           </a:solidFill>
@@ -2909,13 +2907,13 @@
           <a:cs typeface="+mn-cs"/>
         </a:defRPr>
       </a:lvl4pPr>
-      <a:lvl5pPr algn="l" defTabSz="342900" eaLnBrk="1" hangingPunct="1" indent="-342900" latinLnBrk="0" marL="1714500" rtl="0">
+      <a:lvl5pPr marL="1714500" indent="-342900" algn="l" defTabSz="342900" rtl="0" eaLnBrk="1" latinLnBrk="0" hangingPunct="1">
         <a:spcBef>
           <a:spcPct val="20000"/>
         </a:spcBef>
         <a:buFont typeface="Arial"/>
         <a:buChar char="»"/>
-        <a:defRPr kern="1200" sz="1500">
+        <a:defRPr sz="1500" kern="1200">
           <a:solidFill>
             <a:schemeClr val="tx1"/>
           </a:solidFill>
@@ -2924,13 +2922,13 @@
           <a:cs typeface="+mn-cs"/>
         </a:defRPr>
       </a:lvl5pPr>
-      <a:lvl6pPr algn="l" defTabSz="342900" eaLnBrk="1" hangingPunct="1" indent="-342900" latinLnBrk="0" marL="2057400" rtl="0">
+      <a:lvl6pPr marL="2057400" indent="-342900" algn="l" defTabSz="342900" rtl="0" eaLnBrk="1" latinLnBrk="0" hangingPunct="1">
         <a:spcBef>
           <a:spcPct val="20000"/>
         </a:spcBef>
         <a:buFont typeface="Arial"/>
         <a:buChar char="•"/>
-        <a:defRPr kern="1200" sz="1500">
+        <a:defRPr sz="1500" kern="1200">
           <a:solidFill>
             <a:schemeClr val="tx1"/>
           </a:solidFill>
@@ -2939,13 +2937,13 @@
           <a:cs typeface="+mn-cs"/>
         </a:defRPr>
       </a:lvl6pPr>
-      <a:lvl7pPr algn="l" defTabSz="342900" eaLnBrk="1" hangingPunct="1" indent="-342900" latinLnBrk="0" marL="2400300" rtl="0">
+      <a:lvl7pPr marL="2400300" indent="-342900" algn="l" defTabSz="342900" rtl="0" eaLnBrk="1" latinLnBrk="0" hangingPunct="1">
         <a:spcBef>
           <a:spcPct val="20000"/>
         </a:spcBef>
         <a:buFont typeface="Arial"/>
         <a:buChar char="•"/>
-        <a:defRPr kern="1200" sz="1500">
+        <a:defRPr sz="1500" kern="1200">
           <a:solidFill>
             <a:schemeClr val="tx1"/>
           </a:solidFill>
@@ -2954,13 +2952,13 @@
           <a:cs typeface="+mn-cs"/>
         </a:defRPr>
       </a:lvl7pPr>
-      <a:lvl8pPr algn="l" defTabSz="342900" eaLnBrk="1" hangingPunct="1" indent="-342900" latinLnBrk="0" marL="2743200" rtl="0">
+      <a:lvl8pPr marL="2743200" indent="-342900" algn="l" defTabSz="342900" rtl="0" eaLnBrk="1" latinLnBrk="0" hangingPunct="1">
         <a:spcBef>
           <a:spcPct val="20000"/>
         </a:spcBef>
         <a:buFont typeface="Arial"/>
         <a:buChar char="•"/>
-        <a:defRPr kern="1200" sz="1500">
+        <a:defRPr sz="1500" kern="1200">
           <a:solidFill>
             <a:schemeClr val="tx1"/>
           </a:solidFill>
@@ -2969,13 +2967,13 @@
           <a:cs typeface="+mn-cs"/>
         </a:defRPr>
       </a:lvl8pPr>
-      <a:lvl9pPr algn="l" defTabSz="342900" eaLnBrk="1" hangingPunct="1" indent="-342900" latinLnBrk="0" marL="3086100" rtl="0">
+      <a:lvl9pPr marL="3086100" indent="-342900" algn="l" defTabSz="342900" rtl="0" eaLnBrk="1" latinLnBrk="0" hangingPunct="1">
         <a:spcBef>
           <a:spcPct val="20000"/>
         </a:spcBef>
         <a:buFont typeface="Arial"/>
         <a:buChar char="•"/>
-        <a:defRPr kern="1200" sz="1500">
+        <a:defRPr sz="1500" kern="1200">
           <a:solidFill>
             <a:schemeClr val="tx1"/>
           </a:solidFill>
@@ -2989,8 +2987,8 @@
       <a:defPPr>
         <a:defRPr lang="en-US"/>
       </a:defPPr>
-      <a:lvl1pPr algn="l" defTabSz="342900" eaLnBrk="1" hangingPunct="1" latinLnBrk="0" marL="0" rtl="0">
-        <a:defRPr kern="1200" sz="1350">
+      <a:lvl1pPr marL="0" algn="l" defTabSz="342900" rtl="0" eaLnBrk="1" latinLnBrk="0" hangingPunct="1">
+        <a:defRPr sz="1350" kern="1200">
           <a:solidFill>
             <a:schemeClr val="tx1"/>
           </a:solidFill>
@@ -2999,8 +2997,8 @@
           <a:cs typeface="+mn-cs"/>
         </a:defRPr>
       </a:lvl1pPr>
-      <a:lvl2pPr algn="l" defTabSz="342900" eaLnBrk="1" hangingPunct="1" latinLnBrk="0" marL="342900" rtl="0">
-        <a:defRPr kern="1200" sz="1350">
+      <a:lvl2pPr marL="342900" algn="l" defTabSz="342900" rtl="0" eaLnBrk="1" latinLnBrk="0" hangingPunct="1">
+        <a:defRPr sz="1350" kern="1200">
           <a:solidFill>
             <a:schemeClr val="tx1"/>
           </a:solidFill>
@@ -3009,8 +3007,8 @@
           <a:cs typeface="+mn-cs"/>
         </a:defRPr>
       </a:lvl2pPr>
-      <a:lvl3pPr algn="l" defTabSz="342900" eaLnBrk="1" hangingPunct="1" latinLnBrk="0" marL="685800" rtl="0">
-        <a:defRPr kern="1200" sz="1350">
+      <a:lvl3pPr marL="685800" algn="l" defTabSz="342900" rtl="0" eaLnBrk="1" latinLnBrk="0" hangingPunct="1">
+        <a:defRPr sz="1350" kern="1200">
           <a:solidFill>
             <a:schemeClr val="tx1"/>
           </a:solidFill>
@@ -3019,8 +3017,8 @@
           <a:cs typeface="+mn-cs"/>
         </a:defRPr>
       </a:lvl3pPr>
-      <a:lvl4pPr algn="l" defTabSz="342900" eaLnBrk="1" hangingPunct="1" latinLnBrk="0" marL="1028700" rtl="0">
-        <a:defRPr kern="1200" sz="1350">
+      <a:lvl4pPr marL="1028700" algn="l" defTabSz="342900" rtl="0" eaLnBrk="1" latinLnBrk="0" hangingPunct="1">
+        <a:defRPr sz="1350" kern="1200">
           <a:solidFill>
             <a:schemeClr val="tx1"/>
           </a:solidFill>
@@ -3029,8 +3027,8 @@
           <a:cs typeface="+mn-cs"/>
         </a:defRPr>
       </a:lvl4pPr>
-      <a:lvl5pPr algn="l" defTabSz="342900" eaLnBrk="1" hangingPunct="1" latinLnBrk="0" marL="1371600" rtl="0">
-        <a:defRPr kern="1200" sz="1350">
+      <a:lvl5pPr marL="1371600" algn="l" defTabSz="342900" rtl="0" eaLnBrk="1" latinLnBrk="0" hangingPunct="1">
+        <a:defRPr sz="1350" kern="1200">
           <a:solidFill>
             <a:schemeClr val="tx1"/>
           </a:solidFill>
@@ -3039,8 +3037,8 @@
           <a:cs typeface="+mn-cs"/>
         </a:defRPr>
       </a:lvl5pPr>
-      <a:lvl6pPr algn="l" defTabSz="342900" eaLnBrk="1" hangingPunct="1" latinLnBrk="0" marL="1714500" rtl="0">
-        <a:defRPr kern="1200" sz="1350">
+      <a:lvl6pPr marL="1714500" algn="l" defTabSz="342900" rtl="0" eaLnBrk="1" latinLnBrk="0" hangingPunct="1">
+        <a:defRPr sz="1350" kern="1200">
           <a:solidFill>
             <a:schemeClr val="tx1"/>
           </a:solidFill>
@@ -3049,8 +3047,8 @@
           <a:cs typeface="+mn-cs"/>
         </a:defRPr>
       </a:lvl6pPr>
-      <a:lvl7pPr algn="l" defTabSz="342900" eaLnBrk="1" hangingPunct="1" latinLnBrk="0" marL="2057400" rtl="0">
-        <a:defRPr kern="1200" sz="1350">
+      <a:lvl7pPr marL="2057400" algn="l" defTabSz="342900" rtl="0" eaLnBrk="1" latinLnBrk="0" hangingPunct="1">
+        <a:defRPr sz="1350" kern="1200">
           <a:solidFill>
             <a:schemeClr val="tx1"/>
           </a:solidFill>
@@ -3059,8 +3057,8 @@
           <a:cs typeface="+mn-cs"/>
         </a:defRPr>
       </a:lvl7pPr>
-      <a:lvl8pPr algn="l" defTabSz="342900" eaLnBrk="1" hangingPunct="1" latinLnBrk="0" marL="2400300" rtl="0">
-        <a:defRPr kern="1200" sz="1350">
+      <a:lvl8pPr marL="2400300" algn="l" defTabSz="342900" rtl="0" eaLnBrk="1" latinLnBrk="0" hangingPunct="1">
+        <a:defRPr sz="1350" kern="1200">
           <a:solidFill>
             <a:schemeClr val="tx1"/>
           </a:solidFill>
@@ -3069,8 +3067,8 @@
           <a:cs typeface="+mn-cs"/>
         </a:defRPr>
       </a:lvl8pPr>
-      <a:lvl9pPr algn="l" defTabSz="342900" eaLnBrk="1" hangingPunct="1" latinLnBrk="0" marL="2743200" rtl="0">
-        <a:defRPr kern="1200" sz="1350">
+      <a:lvl9pPr marL="2743200" algn="l" defTabSz="342900" rtl="0" eaLnBrk="1" latinLnBrk="0" hangingPunct="1">
+        <a:defRPr sz="1350" kern="1200">
           <a:solidFill>
             <a:schemeClr val="tx1"/>
           </a:solidFill>
@@ -3121,7 +3119,7 @@
           <a:bodyPr/>
           <a:lstStyle/>
           <a:p>
-            <a:pPr lvl="0" indent="0" marL="0">
+            <a:pPr marL="0" lvl="0" indent="0">
               <a:buNone/>
             </a:pPr>
             <a:r>
@@ -3138,7 +3136,7 @@
             <a:spLocks noGrp="1"/>
           </p:cNvSpPr>
           <p:nvPr>
-            <p:ph idx="1" type="subTitle"/>
+            <p:ph type="subTitle" idx="1"/>
           </p:nvPr>
         </p:nvSpPr>
         <p:spPr>
@@ -3151,14 +3149,20 @@
           <a:bodyPr/>
           <a:lstStyle/>
           <a:p>
-            <a:pPr lvl="0" indent="0" marL="0">
+            <a:pPr marL="0" lvl="0" indent="0">
               <a:buNone/>
             </a:pPr>
             <a:r>
               <a:rPr/>
               <a:t>Простейший шаблон</a:t>
             </a:r>
+            <a:r>
+              <a:t/>
+            </a:r>
             <a:br/>
+            <a:r>
+              <a:t/>
+            </a:r>
             <a:br/>
             <a:r>
               <a:rPr/>
@@ -3174,15 +3178,15 @@
             <a:spLocks noGrp="1"/>
           </p:cNvSpPr>
           <p:nvPr>
-            <p:ph idx="10" sz="half" type="dt"/>
-          </p:nvPr>
-        </p:nvSpPr>
-        <p:spPr/>
-        <p:txBody>
-          <a:bodyPr/>
-          <a:lstStyle/>
-          <a:p>
-            <a:pPr lvl="0" indent="0" marL="0">
+            <p:ph type="dt" sz="half" idx="10"/>
+          </p:nvPr>
+        </p:nvSpPr>
+        <p:spPr/>
+        <p:txBody>
+          <a:bodyPr/>
+          <a:lstStyle/>
+          <a:p>
+            <a:pPr marL="0" lvl="0" indent="0">
               <a:buNone/>
             </a:pPr>
             <a:r>
@@ -3194,6 +3198,9 @@
       </p:sp>
     </p:spTree>
   </p:cSld>
+  <p:clrMapOvr>
+    <a:masterClrMapping/>
+  </p:clrMapOvr>
 </p:sld>
 </file>
 
@@ -3214,359 +3221,59 @@
           <a:chExt cx="0" cy="0"/>
         </a:xfrm>
       </p:grpSpPr>
-      <mc:AlternateContent xmlns:mc="http://schemas.openxmlformats.org/markup-compatibility/2006">
-        <mc:Choice xmlns:a14="http://schemas.microsoft.com/office/drawing/2010/main" Requires="a14">
-          <p:sp>
-            <p:nvSpPr>
-              <p:cNvPr id="3" name="Content Placeholder 2"/>
-              <p:cNvSpPr>
-                <a:spLocks noGrp="1"/>
-              </p:cNvSpPr>
-              <p:nvPr>
-                <p:ph idx="1"/>
-              </p:nvPr>
-            </p:nvSpPr>
-            <p:spPr/>
-            <p:txBody>
-              <a:bodyPr/>
-              <a:lstStyle/>
-              <a:p>
-                <a:pPr lvl="0" indent="0" marL="0">
-                  <a:buNone/>
-                </a:pPr>
-                <a:r>
-                  <a:rPr/>
-                  <a:t> рис3</a:t>
-                </a:r>
-              </a:p>
-              <a:p>
-                <a:pPr lvl="0" indent="0" marL="0">
-                  <a:buNone/>
-                </a:pPr>
-                <a:r>
-                  <a:rPr/>
-                  <a:t>стационарное состояние системы:</a:t>
-                </a:r>
-              </a:p>
-              <a:p>
-                <a:pPr lvl="0" indent="0" marL="0">
-                  <a:buNone/>
-                </a:pPr>
-                <a14:m>
-                  <m:oMathPara xmlns:m="http://schemas.openxmlformats.org/officeDocument/2006/math">
-                    <m:oMathParaPr>
-                      <m:jc m:val="center"/>
-                    </m:oMathParaPr>
-                    <m:oMath>
-                      <m:sSub>
-                        <m:e>
-                          <m:r>
-                            <m:t>x</m:t>
-                          </m:r>
-                        </m:e>
-                        <m:sub>
-                          <m:r>
-                            <m:t>0</m:t>
-                          </m:r>
-                        </m:sub>
-                      </m:sSub>
-                      <m:r>
-                        <m:rPr>
-                          <m:sty m:val="p"/>
-                        </m:rPr>
-                        <m:t>=</m:t>
-                      </m:r>
-                      <m:r>
-                        <m:t>0</m:t>
-                      </m:r>
-                      <m:r>
-                        <m:rPr>
-                          <m:sty m:val="p"/>
-                        </m:rPr>
-                        <m:t>,</m:t>
-                      </m:r>
-                      <m:r>
-                        <m:t>31</m:t>
-                      </m:r>
-                      <m:r>
-                        <m:rPr>
-                          <m:sty m:val="p"/>
-                        </m:rPr>
-                        <m:t>/</m:t>
-                      </m:r>
-                      <m:r>
-                        <m:t>0</m:t>
-                      </m:r>
-                      <m:r>
-                        <m:rPr>
-                          <m:sty m:val="p"/>
-                        </m:rPr>
-                        <m:t>,</m:t>
-                      </m:r>
-                      <m:r>
-                        <m:t>042</m:t>
-                      </m:r>
-                      <m:r>
-                        <m:rPr>
-                          <m:sty m:val="p"/>
-                        </m:rPr>
-                        <m:t>=</m:t>
-                      </m:r>
-                      <m:r>
-                        <m:t>7</m:t>
-                      </m:r>
-                      <m:r>
-                        <m:rPr>
-                          <m:sty m:val="p"/>
-                        </m:rPr>
-                        <m:t>,</m:t>
-                      </m:r>
-                      <m:r>
-                        <m:t>38</m:t>
-                      </m:r>
-                      <m:r>
-                        <m:rPr>
-                          <m:sty m:val="p"/>
-                        </m:rPr>
-                        <m:t>;</m:t>
-                      </m:r>
-                      <m:sSub>
-                        <m:e>
-                          <m:r>
-                            <m:t>y</m:t>
-                          </m:r>
-                        </m:e>
-                        <m:sub>
-                          <m:r>
-                            <m:t>0</m:t>
-                          </m:r>
-                        </m:sub>
-                      </m:sSub>
-                      <m:r>
-                        <m:rPr>
-                          <m:sty m:val="p"/>
-                        </m:rPr>
-                        <m:t>=</m:t>
-                      </m:r>
-                      <m:r>
-                        <m:t>0</m:t>
-                      </m:r>
-                      <m:r>
-                        <m:rPr>
-                          <m:sty m:val="p"/>
-                        </m:rPr>
-                        <m:t>,</m:t>
-                      </m:r>
-                      <m:r>
-                        <m:t>13</m:t>
-                      </m:r>
-                      <m:r>
-                        <m:rPr>
-                          <m:sty m:val="p"/>
-                        </m:rPr>
-                        <m:t>/</m:t>
-                      </m:r>
-                      <m:r>
-                        <m:t>0</m:t>
-                      </m:r>
-                      <m:r>
-                        <m:rPr>
-                          <m:sty m:val="p"/>
-                        </m:rPr>
-                        <m:t>,</m:t>
-                      </m:r>
-                      <m:r>
-                        <m:t>041</m:t>
-                      </m:r>
-                      <m:r>
-                        <m:rPr>
-                          <m:sty m:val="p"/>
-                        </m:rPr>
-                        <m:t>=</m:t>
-                      </m:r>
-                      <m:r>
-                        <m:t>3</m:t>
-                      </m:r>
-                      <m:r>
-                        <m:rPr>
-                          <m:sty m:val="p"/>
-                        </m:rPr>
-                        <m:t>,</m:t>
-                      </m:r>
-                      <m:r>
-                        <m:t>17</m:t>
-                      </m:r>
-                    </m:oMath>
-                  </m:oMathPara>
-                </a14:m>
-              </a:p>
-            </p:txBody>
-          </p:sp>
-        </mc:Choice>
-      </mc:AlternateContent>
+      <p:sp>
+        <p:nvSpPr>
+          <p:cNvPr id="2" name="Title 1"/>
+          <p:cNvSpPr>
+            <a:spLocks noGrp="1"/>
+          </p:cNvSpPr>
+          <p:nvPr>
+            <p:ph type="title"/>
+          </p:nvPr>
+        </p:nvSpPr>
+        <p:spPr/>
+        <p:txBody>
+          <a:bodyPr/>
+          <a:lstStyle/>
+          <a:p>
+            <a:pPr marL="0" lvl="0" indent="0">
+              <a:buNone/>
+            </a:pPr>
+            <a:r>
+              <a:rPr/>
+              <a:t>Итоговый слайд</a:t>
+            </a:r>
+          </a:p>
+        </p:txBody>
+      </p:sp>
+      <p:sp>
+        <p:nvSpPr>
+          <p:cNvPr id="3" name="Content Placeholder 2"/>
+          <p:cNvSpPr>
+            <a:spLocks noGrp="1"/>
+          </p:cNvSpPr>
+          <p:nvPr>
+            <p:ph idx="1"/>
+          </p:nvPr>
+        </p:nvSpPr>
+        <p:spPr/>
+        <p:txBody>
+          <a:bodyPr/>
+          <a:lstStyle/>
+          <a:p>
+            <a:pPr lvl="0"/>
+            <a:r>
+              <a:rPr/>
+              <a:t>СПАСИБО ЗА ВИНИМАНИЕ</a:t>
+            </a:r>
+          </a:p>
+        </p:txBody>
+      </p:sp>
     </p:spTree>
   </p:cSld>
-</p:sld>
-</file>
-
-<file path=ppt/slides/slide11.xml><?xml version="1.0" encoding="utf-8"?>
-<p:sld xmlns:a="http://schemas.openxmlformats.org/drawingml/2006/main" xmlns:r="http://schemas.openxmlformats.org/officeDocument/2006/relationships" xmlns:p="http://schemas.openxmlformats.org/presentationml/2006/main">
-  <p:cSld>
-    <p:spTree>
-      <p:nvGrpSpPr>
-        <p:cNvPr id="1" name=""/>
-        <p:cNvGrpSpPr/>
-        <p:nvPr/>
-      </p:nvGrpSpPr>
-      <p:grpSpPr>
-        <a:xfrm>
-          <a:off x="0" y="0"/>
-          <a:ext cx="0" cy="0"/>
-          <a:chOff x="0" y="0"/>
-          <a:chExt cx="0" cy="0"/>
-        </a:xfrm>
-      </p:grpSpPr>
-      <p:sp>
-        <p:nvSpPr>
-          <p:cNvPr id="2" name="Title 1"/>
-          <p:cNvSpPr>
-            <a:spLocks noGrp="1"/>
-          </p:cNvSpPr>
-          <p:nvPr>
-            <p:ph type="title"/>
-          </p:nvPr>
-        </p:nvSpPr>
-        <p:spPr/>
-        <p:txBody>
-          <a:bodyPr/>
-          <a:lstStyle/>
-          <a:p>
-            <a:pPr lvl="0" indent="0" marL="0">
-              <a:buNone/>
-            </a:pPr>
-            <a:r>
-              <a:rPr/>
-              <a:t>Результаты</a:t>
-            </a:r>
-          </a:p>
-        </p:txBody>
-      </p:sp>
-      <p:sp>
-        <p:nvSpPr>
-          <p:cNvPr id="3" name="Content Placeholder 2"/>
-          <p:cNvSpPr>
-            <a:spLocks noGrp="1"/>
-          </p:cNvSpPr>
-          <p:nvPr>
-            <p:ph idx="1"/>
-          </p:nvPr>
-        </p:nvSpPr>
-        <p:spPr/>
-        <p:txBody>
-          <a:bodyPr/>
-          <a:lstStyle/>
-          <a:p>
-            <a:pPr lvl="0"/>
-            <a:r>
-              <a:rPr/>
-              <a:t>Мы научились работать в OpenModelica и Julia</a:t>
-            </a:r>
-          </a:p>
-          <a:p>
-            <a:pPr lvl="0"/>
-            <a:r>
-              <a:rPr/>
-              <a:t>Научились строить график зависимости численности хищников от численности жертв</a:t>
-            </a:r>
-          </a:p>
-          <a:p>
-            <a:pPr lvl="0"/>
-            <a:r>
-              <a:rPr/>
-              <a:t>Научились строить графики изменения численности хищников и численности жертв при заданных начальных условиях</a:t>
-            </a:r>
-          </a:p>
-          <a:p>
-            <a:pPr lvl="0"/>
-            <a:r>
-              <a:rPr/>
-              <a:t>Научились находить стационарное состояние системы</a:t>
-            </a:r>
-          </a:p>
-        </p:txBody>
-      </p:sp>
-    </p:spTree>
-  </p:cSld>
-</p:sld>
-</file>
-
-<file path=ppt/slides/slide12.xml><?xml version="1.0" encoding="utf-8"?>
-<p:sld xmlns:a="http://schemas.openxmlformats.org/drawingml/2006/main" xmlns:r="http://schemas.openxmlformats.org/officeDocument/2006/relationships" xmlns:p="http://schemas.openxmlformats.org/presentationml/2006/main">
-  <p:cSld>
-    <p:spTree>
-      <p:nvGrpSpPr>
-        <p:cNvPr id="1" name=""/>
-        <p:cNvGrpSpPr/>
-        <p:nvPr/>
-      </p:nvGrpSpPr>
-      <p:grpSpPr>
-        <a:xfrm>
-          <a:off x="0" y="0"/>
-          <a:ext cx="0" cy="0"/>
-          <a:chOff x="0" y="0"/>
-          <a:chExt cx="0" cy="0"/>
-        </a:xfrm>
-      </p:grpSpPr>
-      <p:sp>
-        <p:nvSpPr>
-          <p:cNvPr id="2" name="Title 1"/>
-          <p:cNvSpPr>
-            <a:spLocks noGrp="1"/>
-          </p:cNvSpPr>
-          <p:nvPr>
-            <p:ph type="title"/>
-          </p:nvPr>
-        </p:nvSpPr>
-        <p:spPr/>
-        <p:txBody>
-          <a:bodyPr/>
-          <a:lstStyle/>
-          <a:p>
-            <a:pPr lvl="0" indent="0" marL="0">
-              <a:buNone/>
-            </a:pPr>
-            <a:r>
-              <a:rPr/>
-              <a:t>Итоговый слайд</a:t>
-            </a:r>
-          </a:p>
-        </p:txBody>
-      </p:sp>
-      <p:sp>
-        <p:nvSpPr>
-          <p:cNvPr id="3" name="Content Placeholder 2"/>
-          <p:cNvSpPr>
-            <a:spLocks noGrp="1"/>
-          </p:cNvSpPr>
-          <p:nvPr>
-            <p:ph idx="1"/>
-          </p:nvPr>
-        </p:nvSpPr>
-        <p:spPr/>
-        <p:txBody>
-          <a:bodyPr/>
-          <a:lstStyle/>
-          <a:p>
-            <a:pPr lvl="0"/>
-            <a:r>
-              <a:rPr/>
-              <a:t>СПАСИБО ЗА ВИНИМАНИЕ</a:t>
-            </a:r>
-          </a:p>
-        </p:txBody>
-      </p:sp>
-    </p:spTree>
-  </p:cSld>
+  <p:clrMapOvr>
+    <a:masterClrMapping/>
+  </p:clrMapOvr>
 </p:sld>
 </file>
 
@@ -3607,7 +3314,7 @@
           <a:bodyPr/>
           <a:lstStyle/>
           <a:p>
-            <a:pPr lvl="0" indent="0" marL="0">
+            <a:pPr marL="0" lvl="0" indent="0">
               <a:buNone/>
             </a:pPr>
             <a:r>
@@ -3619,6 +3326,9 @@
       </p:sp>
     </p:spTree>
   </p:cSld>
+  <p:clrMapOvr>
+    <a:masterClrMapping/>
+  </p:clrMapOvr>
 </p:sld>
 </file>
 
@@ -3654,7 +3364,7 @@
           <a:bodyPr/>
           <a:lstStyle/>
           <a:p>
-            <a:pPr lvl="0" indent="0" marL="0">
+            <a:pPr marL="0" lvl="0" indent="0">
               <a:buNone/>
             </a:pPr>
             <a:r>
@@ -3679,7 +3389,7 @@
           <a:bodyPr/>
           <a:lstStyle/>
           <a:p>
-            <a:pPr lvl="0" indent="0" marL="0">
+            <a:pPr marL="0" lvl="0" indent="0">
               <a:buNone/>
             </a:pPr>
             <a:r>
@@ -3735,6 +3445,9 @@
       </p:sp>
     </p:spTree>
   </p:cSld>
+  <p:clrMapOvr>
+    <a:masterClrMapping/>
+  </p:clrMapOvr>
 </p:sld>
 </file>
 
@@ -3775,7 +3488,7 @@
           <a:bodyPr/>
           <a:lstStyle/>
           <a:p>
-            <a:pPr lvl="0" indent="0" marL="0">
+            <a:pPr marL="0" lvl="0" indent="0">
               <a:buNone/>
             </a:pPr>
             <a:r>
@@ -3787,6 +3500,9 @@
       </p:sp>
     </p:spTree>
   </p:cSld>
+  <p:clrMapOvr>
+    <a:masterClrMapping/>
+  </p:clrMapOvr>
 </p:sld>
 </file>
 
@@ -3822,7 +3538,7 @@
           <a:bodyPr/>
           <a:lstStyle/>
           <a:p>
-            <a:pPr lvl="0" indent="0" marL="0">
+            <a:pPr marL="0" lvl="0" indent="0">
               <a:buNone/>
             </a:pPr>
             <a:r>
@@ -3847,7 +3563,7 @@
           <a:bodyPr/>
           <a:lstStyle/>
           <a:p>
-            <a:pPr lvl="0" indent="0" marL="0">
+            <a:pPr marL="0" lvl="0" indent="0">
               <a:buNone/>
             </a:pPr>
             <a:r>
@@ -3859,6 +3575,9 @@
       </p:sp>
     </p:spTree>
   </p:cSld>
+  <p:clrMapOvr>
+    <a:masterClrMapping/>
+  </p:clrMapOvr>
 </p:sld>
 </file>
 
@@ -3894,7 +3613,7 @@
           <a:bodyPr/>
           <a:lstStyle/>
           <a:p>
-            <a:pPr lvl="0" indent="0" marL="0">
+            <a:pPr marL="0" lvl="0" indent="0">
               <a:buNone/>
             </a:pPr>
             <a:r>
@@ -3950,6 +3669,9 @@
       </p:sp>
     </p:spTree>
   </p:cSld>
+  <p:clrMapOvr>
+    <a:masterClrMapping/>
+  </p:clrMapOvr>
 </p:sld>
 </file>
 
@@ -3985,7 +3707,7 @@
           <a:bodyPr/>
           <a:lstStyle/>
           <a:p>
-            <a:pPr lvl="0" indent="0" marL="0">
+            <a:pPr marL="0" lvl="0" indent="0">
               <a:buNone/>
             </a:pPr>
             <a:r>
@@ -4009,10 +3731,12 @@
             </p:nvSpPr>
             <p:spPr/>
             <p:txBody>
-              <a:bodyPr/>
+              <a:bodyPr>
+                <a:normAutofit lnSpcReduction="10000"/>
+              </a:bodyPr>
               <a:lstStyle/>
               <a:p>
-                <a:pPr lvl="0" indent="0" marL="0">
+                <a:pPr marL="0" lvl="0" indent="0">
                   <a:buNone/>
                 </a:pPr>
                 <a:r>
@@ -4021,7 +3745,7 @@
                 </a:r>
               </a:p>
               <a:p>
-                <a:pPr lvl="0" indent="0" marL="0">
+                <a:pPr marL="0" lvl="0" indent="0">
                   <a:buNone/>
                 </a:pPr>
                 <a14:m>
@@ -4029,229 +3753,218 @@
                     <m:oMathParaPr>
                       <m:jc m:val="center"/>
                     </m:oMathParaPr>
-                    <m:oMath>
+                    <m:oMath xmlns:m="http://schemas.openxmlformats.org/officeDocument/2006/math">
                       <m:r>
-                        <m:t>d</m:t>
+                        <a:rPr>
+                          <a:latin typeface="Cambria Math" panose="02040503050406030204" pitchFamily="18" charset="0"/>
+                        </a:rPr>
+                        <m:t>𝑑𝑥</m:t>
                       </m:r>
                       <m:r>
-                        <m:t>x</m:t>
-                      </m:r>
-                      <m:r>
-                        <m:rPr>
-                          <m:sty m:val="p"/>
-                        </m:rPr>
+                        <a:rPr>
+                          <a:latin typeface="Cambria Math" panose="02040503050406030204" pitchFamily="18" charset="0"/>
+                        </a:rPr>
                         <m:t>/</m:t>
                       </m:r>
                       <m:r>
-                        <m:t>d</m:t>
+                        <a:rPr>
+                          <a:latin typeface="Cambria Math" panose="02040503050406030204" pitchFamily="18" charset="0"/>
+                        </a:rPr>
+                        <m:t>𝑑𝑡</m:t>
                       </m:r>
                       <m:r>
-                        <m:t>t</m:t>
+                        <a:rPr>
+                          <a:latin typeface="Cambria Math" panose="02040503050406030204" pitchFamily="18" charset="0"/>
+                        </a:rPr>
+                        <m:t>=−0,13</m:t>
                       </m:r>
                       <m:r>
-                        <m:rPr>
-                          <m:sty m:val="p"/>
-                        </m:rPr>
-                        <m:t>=</m:t>
-                      </m:r>
-                      <m:r>
-                        <m:rPr>
-                          <m:sty m:val="p"/>
-                        </m:rPr>
-                        <m:t>−</m:t>
-                      </m:r>
-                      <m:r>
-                        <m:t>0</m:t>
-                      </m:r>
-                      <m:r>
-                        <m:rPr>
-                          <m:sty m:val="p"/>
-                        </m:rPr>
-                        <m:t>,</m:t>
-                      </m:r>
-                      <m:r>
-                        <m:t>13</m:t>
-                      </m:r>
-                      <m:r>
-                        <m:t>x</m:t>
+                        <a:rPr>
+                          <a:latin typeface="Cambria Math" panose="02040503050406030204" pitchFamily="18" charset="0"/>
+                        </a:rPr>
+                        <m:t>𝑥</m:t>
                       </m:r>
                       <m:d>
                         <m:dPr>
-                          <m:begChr m:val="("/>
-                          <m:endChr m:val=")"/>
-                          <m:sepChr m:val=""/>
-                          <m:grow/>
+                          <m:ctrlPr>
+                            <a:rPr i="1">
+                              <a:latin typeface="Cambria Math" panose="02040503050406030204" pitchFamily="18" charset="0"/>
+                            </a:rPr>
+                          </m:ctrlPr>
                         </m:dPr>
                         <m:e>
                           <m:r>
-                            <m:t>t</m:t>
+                            <a:rPr>
+                              <a:latin typeface="Cambria Math" panose="02040503050406030204" pitchFamily="18" charset="0"/>
+                            </a:rPr>
+                            <m:t>𝑡</m:t>
                           </m:r>
                         </m:e>
                       </m:d>
                       <m:r>
-                        <m:rPr>
-                          <m:sty m:val="p"/>
-                        </m:rPr>
-                        <m:t>+</m:t>
+                        <a:rPr>
+                          <a:latin typeface="Cambria Math" panose="02040503050406030204" pitchFamily="18" charset="0"/>
+                        </a:rPr>
+                        <m:t>+0,041</m:t>
                       </m:r>
                       <m:r>
-                        <m:t>0</m:t>
-                      </m:r>
-                      <m:r>
-                        <m:rPr>
-                          <m:sty m:val="p"/>
-                        </m:rPr>
-                        <m:t>,</m:t>
-                      </m:r>
-                      <m:r>
-                        <m:t>041</m:t>
-                      </m:r>
-                      <m:r>
-                        <m:t>x</m:t>
+                        <a:rPr>
+                          <a:latin typeface="Cambria Math" panose="02040503050406030204" pitchFamily="18" charset="0"/>
+                        </a:rPr>
+                        <m:t>𝑥</m:t>
                       </m:r>
                       <m:d>
                         <m:dPr>
-                          <m:begChr m:val="("/>
-                          <m:endChr m:val=")"/>
-                          <m:sepChr m:val=""/>
-                          <m:grow/>
+                          <m:ctrlPr>
+                            <a:rPr i="1">
+                              <a:latin typeface="Cambria Math" panose="02040503050406030204" pitchFamily="18" charset="0"/>
+                            </a:rPr>
+                          </m:ctrlPr>
                         </m:dPr>
                         <m:e>
                           <m:r>
-                            <m:t>t</m:t>
+                            <a:rPr>
+                              <a:latin typeface="Cambria Math" panose="02040503050406030204" pitchFamily="18" charset="0"/>
+                            </a:rPr>
+                            <m:t>𝑡</m:t>
                           </m:r>
                         </m:e>
                       </m:d>
                       <m:r>
-                        <m:t>y</m:t>
+                        <a:rPr>
+                          <a:latin typeface="Cambria Math" panose="02040503050406030204" pitchFamily="18" charset="0"/>
+                        </a:rPr>
+                        <m:t>𝑦</m:t>
                       </m:r>
                       <m:d>
                         <m:dPr>
-                          <m:begChr m:val="("/>
-                          <m:endChr m:val=")"/>
-                          <m:sepChr m:val=""/>
-                          <m:grow/>
+                          <m:ctrlPr>
+                            <a:rPr i="1">
+                              <a:latin typeface="Cambria Math" panose="02040503050406030204" pitchFamily="18" charset="0"/>
+                            </a:rPr>
+                          </m:ctrlPr>
                         </m:dPr>
                         <m:e>
                           <m:r>
-                            <m:t>t</m:t>
+                            <a:rPr>
+                              <a:latin typeface="Cambria Math" panose="02040503050406030204" pitchFamily="18" charset="0"/>
+                            </a:rPr>
+                            <m:t>𝑡</m:t>
                           </m:r>
                         </m:e>
                       </m:d>
                       <m:r>
-                        <m:rPr>
-                          <m:sty m:val="p"/>
-                        </m:rPr>
+                        <a:rPr>
+                          <a:latin typeface="Cambria Math" panose="02040503050406030204" pitchFamily="18" charset="0"/>
+                        </a:rPr>
                         <m:t>;</m:t>
                       </m:r>
                       <m:r>
-                        <m:t>d</m:t>
+                        <a:rPr>
+                          <a:latin typeface="Cambria Math" panose="02040503050406030204" pitchFamily="18" charset="0"/>
+                        </a:rPr>
+                        <m:t>𝑑𝑦</m:t>
                       </m:r>
                       <m:r>
-                        <m:t>y</m:t>
-                      </m:r>
-                      <m:r>
-                        <m:rPr>
-                          <m:sty m:val="p"/>
-                        </m:rPr>
+                        <a:rPr>
+                          <a:latin typeface="Cambria Math" panose="02040503050406030204" pitchFamily="18" charset="0"/>
+                        </a:rPr>
                         <m:t>/</m:t>
                       </m:r>
                       <m:r>
-                        <m:t>d</m:t>
+                        <a:rPr>
+                          <a:latin typeface="Cambria Math" panose="02040503050406030204" pitchFamily="18" charset="0"/>
+                        </a:rPr>
+                        <m:t>𝑑𝑡</m:t>
                       </m:r>
                       <m:r>
-                        <m:t>t</m:t>
+                        <a:rPr>
+                          <a:latin typeface="Cambria Math" panose="02040503050406030204" pitchFamily="18" charset="0"/>
+                        </a:rPr>
+                        <m:t>=0,31</m:t>
                       </m:r>
                       <m:r>
-                        <m:rPr>
-                          <m:sty m:val="p"/>
-                        </m:rPr>
-                        <m:t>=</m:t>
-                      </m:r>
-                      <m:r>
-                        <m:t>0</m:t>
-                      </m:r>
-                      <m:r>
-                        <m:rPr>
-                          <m:sty m:val="p"/>
-                        </m:rPr>
-                        <m:t>,</m:t>
-                      </m:r>
-                      <m:r>
-                        <m:t>31</m:t>
-                      </m:r>
-                      <m:r>
-                        <m:t>y</m:t>
+                        <a:rPr>
+                          <a:latin typeface="Cambria Math" panose="02040503050406030204" pitchFamily="18" charset="0"/>
+                        </a:rPr>
+                        <m:t>𝑦</m:t>
                       </m:r>
                       <m:d>
                         <m:dPr>
-                          <m:begChr m:val="("/>
-                          <m:endChr m:val=")"/>
-                          <m:sepChr m:val=""/>
-                          <m:grow/>
+                          <m:ctrlPr>
+                            <a:rPr i="1">
+                              <a:latin typeface="Cambria Math" panose="02040503050406030204" pitchFamily="18" charset="0"/>
+                            </a:rPr>
+                          </m:ctrlPr>
                         </m:dPr>
                         <m:e>
                           <m:r>
-                            <m:t>t</m:t>
+                            <a:rPr>
+                              <a:latin typeface="Cambria Math" panose="02040503050406030204" pitchFamily="18" charset="0"/>
+                            </a:rPr>
+                            <m:t>𝑡</m:t>
                           </m:r>
                         </m:e>
                       </m:d>
                       <m:r>
-                        <m:rPr>
-                          <m:sty m:val="p"/>
-                        </m:rPr>
-                        <m:t>−</m:t>
+                        <a:rPr>
+                          <a:latin typeface="Cambria Math" panose="02040503050406030204" pitchFamily="18" charset="0"/>
+                        </a:rPr>
+                        <m:t>−0,042</m:t>
                       </m:r>
                       <m:r>
-                        <m:t>0</m:t>
-                      </m:r>
-                      <m:r>
-                        <m:rPr>
-                          <m:sty m:val="p"/>
-                        </m:rPr>
-                        <m:t>,</m:t>
-                      </m:r>
-                      <m:r>
-                        <m:t>042</m:t>
-                      </m:r>
-                      <m:r>
-                        <m:t>x</m:t>
+                        <a:rPr>
+                          <a:latin typeface="Cambria Math" panose="02040503050406030204" pitchFamily="18" charset="0"/>
+                        </a:rPr>
+                        <m:t>𝑥</m:t>
                       </m:r>
                       <m:d>
                         <m:dPr>
-                          <m:begChr m:val="("/>
-                          <m:endChr m:val=")"/>
-                          <m:sepChr m:val=""/>
-                          <m:grow/>
+                          <m:ctrlPr>
+                            <a:rPr i="1">
+                              <a:latin typeface="Cambria Math" panose="02040503050406030204" pitchFamily="18" charset="0"/>
+                            </a:rPr>
+                          </m:ctrlPr>
                         </m:dPr>
                         <m:e>
                           <m:r>
-                            <m:t>t</m:t>
+                            <a:rPr>
+                              <a:latin typeface="Cambria Math" panose="02040503050406030204" pitchFamily="18" charset="0"/>
+                            </a:rPr>
+                            <m:t>𝑡</m:t>
                           </m:r>
                         </m:e>
                       </m:d>
                       <m:r>
-                        <m:t>y</m:t>
+                        <a:rPr>
+                          <a:latin typeface="Cambria Math" panose="02040503050406030204" pitchFamily="18" charset="0"/>
+                        </a:rPr>
+                        <m:t>𝑦</m:t>
                       </m:r>
                       <m:d>
                         <m:dPr>
-                          <m:begChr m:val="("/>
-                          <m:endChr m:val=")"/>
-                          <m:sepChr m:val=""/>
-                          <m:grow/>
+                          <m:ctrlPr>
+                            <a:rPr i="1">
+                              <a:latin typeface="Cambria Math" panose="02040503050406030204" pitchFamily="18" charset="0"/>
+                            </a:rPr>
+                          </m:ctrlPr>
                         </m:dPr>
                         <m:e>
                           <m:r>
-                            <m:t>t</m:t>
+                            <a:rPr>
+                              <a:latin typeface="Cambria Math" panose="02040503050406030204" pitchFamily="18" charset="0"/>
+                            </a:rPr>
+                            <m:t>𝑡</m:t>
                           </m:r>
                         </m:e>
                       </m:d>
                     </m:oMath>
                   </m:oMathPara>
                 </a14:m>
+                <a:endParaRPr/>
               </a:p>
               <a:p>
-                <a:pPr lvl="0" indent="0" marL="0">
+                <a:pPr marL="0" lvl="0" indent="0">
                   <a:buNone/>
                 </a:pPr>
                 <a:r>
@@ -4260,7 +3973,7 @@
                 </a:r>
               </a:p>
               <a:p>
-                <a:pPr lvl="0" indent="0" marL="0">
+                <a:pPr marL="0" lvl="0" indent="0">
                   <a:buNone/>
                 </a:pPr>
                 <a14:m>
@@ -4268,61 +3981,76 @@
                     <m:oMathParaPr>
                       <m:jc m:val="center"/>
                     </m:oMathParaPr>
-                    <m:oMath>
+                    <m:oMath xmlns:m="http://schemas.openxmlformats.org/officeDocument/2006/math">
                       <m:sSub>
+                        <m:sSubPr>
+                          <m:ctrlPr>
+                            <a:rPr>
+                              <a:latin typeface="Cambria Math" panose="02040503050406030204" pitchFamily="18" charset="0"/>
+                            </a:rPr>
+                          </m:ctrlPr>
+                        </m:sSubPr>
                         <m:e>
                           <m:r>
-                            <m:t>x</m:t>
+                            <a:rPr>
+                              <a:latin typeface="Cambria Math" panose="02040503050406030204" pitchFamily="18" charset="0"/>
+                            </a:rPr>
+                            <m:t>𝑥</m:t>
                           </m:r>
                         </m:e>
                         <m:sub>
                           <m:r>
+                            <a:rPr>
+                              <a:latin typeface="Cambria Math" panose="02040503050406030204" pitchFamily="18" charset="0"/>
+                            </a:rPr>
                             <m:t>0</m:t>
                           </m:r>
                         </m:sub>
                       </m:sSub>
                       <m:r>
-                        <m:rPr>
-                          <m:sty m:val="p"/>
-                        </m:rPr>
-                        <m:t>=</m:t>
-                      </m:r>
-                      <m:r>
-                        <m:t>7</m:t>
-                      </m:r>
-                      <m:r>
-                        <m:rPr>
-                          <m:sty m:val="p"/>
-                        </m:rPr>
-                        <m:t>,</m:t>
+                        <a:rPr>
+                          <a:latin typeface="Cambria Math" panose="02040503050406030204" pitchFamily="18" charset="0"/>
+                        </a:rPr>
+                        <m:t>=7,</m:t>
                       </m:r>
                       <m:sSub>
+                        <m:sSubPr>
+                          <m:ctrlPr>
+                            <a:rPr i="1">
+                              <a:latin typeface="Cambria Math" panose="02040503050406030204" pitchFamily="18" charset="0"/>
+                            </a:rPr>
+                          </m:ctrlPr>
+                        </m:sSubPr>
                         <m:e>
                           <m:r>
-                            <m:t>y</m:t>
+                            <a:rPr>
+                              <a:latin typeface="Cambria Math" panose="02040503050406030204" pitchFamily="18" charset="0"/>
+                            </a:rPr>
+                            <m:t>𝑦</m:t>
                           </m:r>
                         </m:e>
                         <m:sub>
                           <m:r>
+                            <a:rPr>
+                              <a:latin typeface="Cambria Math" panose="02040503050406030204" pitchFamily="18" charset="0"/>
+                            </a:rPr>
                             <m:t>0</m:t>
                           </m:r>
                         </m:sub>
                       </m:sSub>
                       <m:r>
-                        <m:rPr>
-                          <m:sty m:val="p"/>
-                        </m:rPr>
-                        <m:t>=</m:t>
-                      </m:r>
-                      <m:r>
-                        <m:t>20</m:t>
+                        <a:rPr>
+                          <a:latin typeface="Cambria Math" panose="02040503050406030204" pitchFamily="18" charset="0"/>
+                        </a:rPr>
+                        <m:t>=20</m:t>
                       </m:r>
                     </m:oMath>
                   </m:oMathPara>
                 </a14:m>
+                <a:endParaRPr/>
               </a:p>
               <a:p>
-                <a:pPr lvl="0" indent="0" marL="0">
+                <a:pPr marL="0" lvl="0" indent="0">
                   <a:buNone/>
                 </a:pPr>
                 <a:r>
@@ -4333,9 +4061,45 @@
             </p:txBody>
           </p:sp>
         </mc:Choice>
+        <mc:Fallback>
+          <p:sp>
+            <p:nvSpPr>
+              <p:cNvPr id="3" name="Content Placeholder 2"/>
+              <p:cNvSpPr>
+                <a:spLocks noGrp="1" noRot="1" noChangeAspect="1" noMove="1" noResize="1" noEditPoints="1" noAdjustHandles="1" noChangeArrowheads="1" noChangeShapeType="1" noTextEdit="1"/>
+              </p:cNvSpPr>
+              <p:nvPr>
+                <p:ph idx="1"/>
+              </p:nvPr>
+            </p:nvSpPr>
+            <p:spPr>
+              <a:blipFill rotWithShape="0">
+                <a:blip r:embed="rId2"/>
+                <a:stretch>
+                  <a:fillRect l="-1111" t="-2513" r="-1111" b="-1257"/>
+                </a:stretch>
+              </a:blipFill>
+            </p:spPr>
+            <p:txBody>
+              <a:bodyPr/>
+              <a:lstStyle/>
+              <a:p>
+                <a:r>
+                  <a:rPr lang="fr-FR">
+                    <a:noFill/>
+                  </a:rPr>
+                  <a:t> </a:t>
+                </a:r>
+              </a:p>
+            </p:txBody>
+          </p:sp>
+        </mc:Fallback>
       </mc:AlternateContent>
     </p:spTree>
   </p:cSld>
+  <p:clrMapOvr>
+    <a:masterClrMapping/>
+  </p:clrMapOvr>
 </p:sld>
 </file>
 
@@ -4371,7 +4135,7 @@
           <a:bodyPr/>
           <a:lstStyle/>
           <a:p>
-            <a:pPr lvl="0" indent="0" marL="0">
+            <a:pPr marL="0" lvl="0" indent="0">
               <a:buNone/>
             </a:pPr>
             <a:r>
@@ -4420,6 +4184,9 @@
       </p:sp>
     </p:spTree>
   </p:cSld>
+  <p:clrMapOvr>
+    <a:masterClrMapping/>
+  </p:clrMapOvr>
 </p:sld>
 </file>
 
@@ -4455,78 +4222,65 @@
           <a:bodyPr/>
           <a:lstStyle/>
           <a:p>
-            <a:pPr lvl="0" indent="0" marL="0">
+            <a:pPr marL="0" lvl="0" indent="0">
               <a:buNone/>
             </a:pPr>
             <a:r>
               <a:rPr/>
-              <a:t>Полученные график</a:t>
-            </a:r>
-          </a:p>
-        </p:txBody>
-      </p:sp>
-      <p:pic>
-        <p:nvPicPr>
-          <p:cNvPr descr="image/lab5-3.png" id="0" name="Picture 1"/>
-          <p:cNvPicPr>
-            <a:picLocks noGrp="1" noChangeAspect="1"/>
-          </p:cNvPicPr>
-          <p:nvPr/>
-        </p:nvPicPr>
-        <p:blipFill>
-          <a:blip r:embed="rId2"/>
-          <a:stretch>
-            <a:fillRect/>
-          </a:stretch>
-        </p:blipFill>
-        <p:spPr bwMode="auto">
-          <a:xfrm>
-            <a:off x="2413000" y="1193800"/>
-            <a:ext cx="4318000" cy="2882900"/>
-          </a:xfrm>
-          <a:prstGeom prst="rect">
-            <a:avLst/>
-          </a:prstGeom>
-          <a:noFill/>
-          <a:ln w="9525">
-            <a:noFill/>
-            <a:headEnd/>
-            <a:tailEnd/>
-          </a:ln>
-        </p:spPr>
-      </p:pic>
-      <p:sp>
-        <p:nvSpPr>
-          <p:cNvPr id="1" name="TextBox 3"/>
-          <p:cNvSpPr txBox="1"/>
-          <p:nvPr/>
-        </p:nvSpPr>
-        <p:spPr>
-          <a:xfrm>
-            <a:off x="457200" y="4076700"/>
-            <a:ext cx="8229600" cy="508000"/>
-          </a:xfrm>
-          <a:prstGeom prst="rect">
-            <a:avLst/>
-          </a:prstGeom>
-          <a:noFill/>
-        </p:spPr>
-        <p:txBody>
-          <a:bodyPr/>
-          <a:lstStyle/>
-          <a:p>
-            <a:pPr lvl="0" indent="0" marL="0" algn="ctr">
-              <a:buNone/>
-            </a:pPr>
+              <a:t>Результаты</a:t>
+            </a:r>
+          </a:p>
+        </p:txBody>
+      </p:sp>
+      <p:sp>
+        <p:nvSpPr>
+          <p:cNvPr id="3" name="Content Placeholder 2"/>
+          <p:cNvSpPr>
+            <a:spLocks noGrp="1"/>
+          </p:cNvSpPr>
+          <p:nvPr>
+            <p:ph idx="1"/>
+          </p:nvPr>
+        </p:nvSpPr>
+        <p:spPr/>
+        <p:txBody>
+          <a:bodyPr/>
+          <a:lstStyle/>
+          <a:p>
+            <a:pPr lvl="0"/>
             <a:r>
               <a:rPr/>
-              <a:t>рис2</a:t>
+              <a:t>Мы научились работать в OpenModelica и Julia</a:t>
+            </a:r>
+          </a:p>
+          <a:p>
+            <a:pPr lvl="0"/>
+            <a:r>
+              <a:rPr/>
+              <a:t>Научились строить график зависимости численности хищников от численности жертв</a:t>
+            </a:r>
+          </a:p>
+          <a:p>
+            <a:pPr lvl="0"/>
+            <a:r>
+              <a:rPr/>
+              <a:t>Научились строить графики изменения численности хищников и численности жертв при заданных начальных условиях</a:t>
+            </a:r>
+          </a:p>
+          <a:p>
+            <a:pPr lvl="0"/>
+            <a:r>
+              <a:rPr/>
+              <a:t>Научились находить стационарное состояние системы</a:t>
             </a:r>
           </a:p>
         </p:txBody>
       </p:sp>
     </p:spTree>
   </p:cSld>
+  <p:clrMapOvr>
+    <a:masterClrMapping/>
+  </p:clrMapOvr>
 </p:sld>
 </file>
 
@@ -4848,265 +4602,4 @@
   </a:objectDefaults>
   <a:extraClrSchemeLst/>
 </a:theme>
-</file>
-
-<file path=ppt/theme/theme2.xml><?xml version="1.0" encoding="utf-8"?>
-<a:theme xmlns:a="http://schemas.openxmlformats.org/drawingml/2006/main" name="Office Theme">
-  <a:themeElements>
-    <a:clrScheme name="Office">
-      <a:dk1>
-        <a:sysClr val="windowText" lastClr="000000"/>
-      </a:dk1>
-      <a:lt1>
-        <a:sysClr val="window" lastClr="FFFFFF"/>
-      </a:lt1>
-      <a:dk2>
-        <a:srgbClr val="44546A"/>
-      </a:dk2>
-      <a:lt2>
-        <a:srgbClr val="E7E6E6"/>
-      </a:lt2>
-      <a:accent1>
-        <a:srgbClr val="5B9BD5"/>
-      </a:accent1>
-      <a:accent2>
-        <a:srgbClr val="ED7D31"/>
-      </a:accent2>
-      <a:accent3>
-        <a:srgbClr val="A5A5A5"/>
-      </a:accent3>
-      <a:accent4>
-        <a:srgbClr val="FFC000"/>
-      </a:accent4>
-      <a:accent5>
-        <a:srgbClr val="4472C4"/>
-      </a:accent5>
-      <a:accent6>
-        <a:srgbClr val="70AD47"/>
-      </a:accent6>
-      <a:hlink>
-        <a:srgbClr val="0563C1"/>
-      </a:hlink>
-      <a:folHlink>
-        <a:srgbClr val="954F72"/>
-      </a:folHlink>
-    </a:clrScheme>
-    <a:fontScheme name="Office">
-      <a:majorFont>
-        <a:latin typeface="Calibri Light" panose="020F0302020204030204"/>
-        <a:ea typeface=""/>
-        <a:cs typeface=""/>
-        <a:font script="Jpan" typeface="ＭＳ Ｐゴシック"/>
-        <a:font script="Hang" typeface="맑은 고딕"/>
-        <a:font script="Hans" typeface="宋体"/>
-        <a:font script="Hant" typeface="新細明體"/>
-        <a:font script="Arab" typeface="Times New Roman"/>
-        <a:font script="Hebr" typeface="Times New Roman"/>
-        <a:font script="Thai" typeface="Angsana New"/>
-        <a:font script="Ethi" typeface="Nyala"/>
-        <a:font script="Beng" typeface="Vrinda"/>
-        <a:font script="Gujr" typeface="Shruti"/>
-        <a:font script="Khmr" typeface="MoolBoran"/>
-        <a:font script="Knda" typeface="Tunga"/>
-        <a:font script="Guru" typeface="Raavi"/>
-        <a:font script="Cans" typeface="Euphemia"/>
-        <a:font script="Cher" typeface="Plantagenet Cherokee"/>
-        <a:font script="Yiii" typeface="Microsoft Yi Baiti"/>
-        <a:font script="Tibt" typeface="Microsoft Himalaya"/>
-        <a:font script="Thaa" typeface="MV Boli"/>
-        <a:font script="Deva" typeface="Mangal"/>
-        <a:font script="Telu" typeface="Gautami"/>
-        <a:font script="Taml" typeface="Latha"/>
-        <a:font script="Syrc" typeface="Estrangelo Edessa"/>
-        <a:font script="Orya" typeface="Kalinga"/>
-        <a:font script="Mlym" typeface="Kartika"/>
-        <a:font script="Laoo" typeface="DokChampa"/>
-        <a:font script="Sinh" typeface="Iskoola Pota"/>
-        <a:font script="Mong" typeface="Mongolian Baiti"/>
-        <a:font script="Viet" typeface="Times New Roman"/>
-        <a:font script="Uigh" typeface="Microsoft Uighur"/>
-        <a:font script="Geor" typeface="Sylfaen"/>
-      </a:majorFont>
-      <a:minorFont>
-        <a:latin typeface="Calibri" panose="020F0502020204030204"/>
-        <a:ea typeface=""/>
-        <a:cs typeface=""/>
-        <a:font script="Jpan" typeface="ＭＳ Ｐゴシック"/>
-        <a:font script="Hang" typeface="맑은 고딕"/>
-        <a:font script="Hans" typeface="宋体"/>
-        <a:font script="Hant" typeface="新細明體"/>
-        <a:font script="Arab" typeface="Arial"/>
-        <a:font script="Hebr" typeface="Arial"/>
-        <a:font script="Thai" typeface="Cordia New"/>
-        <a:font script="Ethi" typeface="Nyala"/>
-        <a:font script="Beng" typeface="Vrinda"/>
-        <a:font script="Gujr" typeface="Shruti"/>
-        <a:font script="Khmr" typeface="DaunPenh"/>
-        <a:font script="Knda" typeface="Tunga"/>
-        <a:font script="Guru" typeface="Raavi"/>
-        <a:font script="Cans" typeface="Euphemia"/>
-        <a:font script="Cher" typeface="Plantagenet Cherokee"/>
-        <a:font script="Yiii" typeface="Microsoft Yi Baiti"/>
-        <a:font script="Tibt" typeface="Microsoft Himalaya"/>
-        <a:font script="Thaa" typeface="MV Boli"/>
-        <a:font script="Deva" typeface="Mangal"/>
-        <a:font script="Telu" typeface="Gautami"/>
-        <a:font script="Taml" typeface="Latha"/>
-        <a:font script="Syrc" typeface="Estrangelo Edessa"/>
-        <a:font script="Orya" typeface="Kalinga"/>
-        <a:font script="Mlym" typeface="Kartika"/>
-        <a:font script="Laoo" typeface="DokChampa"/>
-        <a:font script="Sinh" typeface="Iskoola Pota"/>
-        <a:font script="Mong" typeface="Mongolian Baiti"/>
-        <a:font script="Viet" typeface="Arial"/>
-        <a:font script="Uigh" typeface="Microsoft Uighur"/>
-        <a:font script="Geor" typeface="Sylfaen"/>
-      </a:minorFont>
-    </a:fontScheme>
-    <a:fmtScheme name="Office">
-      <a:fillStyleLst>
-        <a:solidFill>
-          <a:schemeClr val="phClr"/>
-        </a:solidFill>
-        <a:gradFill rotWithShape="1">
-          <a:gsLst>
-            <a:gs pos="0">
-              <a:schemeClr val="phClr">
-                <a:lumMod val="110000"/>
-                <a:satMod val="105000"/>
-                <a:tint val="67000"/>
-              </a:schemeClr>
-            </a:gs>
-            <a:gs pos="50000">
-              <a:schemeClr val="phClr">
-                <a:lumMod val="105000"/>
-                <a:satMod val="103000"/>
-                <a:tint val="73000"/>
-              </a:schemeClr>
-            </a:gs>
-            <a:gs pos="100000">
-              <a:schemeClr val="phClr">
-                <a:lumMod val="105000"/>
-                <a:satMod val="109000"/>
-                <a:tint val="81000"/>
-              </a:schemeClr>
-            </a:gs>
-          </a:gsLst>
-          <a:lin ang="5400000" scaled="0"/>
-        </a:gradFill>
-        <a:gradFill rotWithShape="1">
-          <a:gsLst>
-            <a:gs pos="0">
-              <a:schemeClr val="phClr">
-                <a:satMod val="103000"/>
-                <a:lumMod val="102000"/>
-                <a:tint val="94000"/>
-              </a:schemeClr>
-            </a:gs>
-            <a:gs pos="50000">
-              <a:schemeClr val="phClr">
-                <a:satMod val="110000"/>
-                <a:lumMod val="100000"/>
-                <a:shade val="100000"/>
-              </a:schemeClr>
-            </a:gs>
-            <a:gs pos="100000">
-              <a:schemeClr val="phClr">
-                <a:lumMod val="99000"/>
-                <a:satMod val="120000"/>
-                <a:shade val="78000"/>
-              </a:schemeClr>
-            </a:gs>
-          </a:gsLst>
-          <a:lin ang="5400000" scaled="0"/>
-        </a:gradFill>
-      </a:fillStyleLst>
-      <a:lnStyleLst>
-        <a:ln w="6350" cap="flat" cmpd="sng" algn="ctr">
-          <a:solidFill>
-            <a:schemeClr val="phClr"/>
-          </a:solidFill>
-          <a:prstDash val="solid"/>
-          <a:miter lim="800000"/>
-        </a:ln>
-        <a:ln w="12700" cap="flat" cmpd="sng" algn="ctr">
-          <a:solidFill>
-            <a:schemeClr val="phClr"/>
-          </a:solidFill>
-          <a:prstDash val="solid"/>
-          <a:miter lim="800000"/>
-        </a:ln>
-        <a:ln w="19050" cap="flat" cmpd="sng" algn="ctr">
-          <a:solidFill>
-            <a:schemeClr val="phClr"/>
-          </a:solidFill>
-          <a:prstDash val="solid"/>
-          <a:miter lim="800000"/>
-        </a:ln>
-      </a:lnStyleLst>
-      <a:effectStyleLst>
-        <a:effectStyle>
-          <a:effectLst/>
-        </a:effectStyle>
-        <a:effectStyle>
-          <a:effectLst/>
-        </a:effectStyle>
-        <a:effectStyle>
-          <a:effectLst>
-            <a:outerShdw blurRad="57150" dist="19050" dir="5400000" algn="ctr" rotWithShape="0">
-              <a:srgbClr val="000000">
-                <a:alpha val="63000"/>
-              </a:srgbClr>
-            </a:outerShdw>
-          </a:effectLst>
-        </a:effectStyle>
-      </a:effectStyleLst>
-      <a:bgFillStyleLst>
-        <a:solidFill>
-          <a:schemeClr val="phClr"/>
-        </a:solidFill>
-        <a:solidFill>
-          <a:schemeClr val="phClr">
-            <a:tint val="95000"/>
-            <a:satMod val="170000"/>
-          </a:schemeClr>
-        </a:solidFill>
-        <a:gradFill rotWithShape="1">
-          <a:gsLst>
-            <a:gs pos="0">
-              <a:schemeClr val="phClr">
-                <a:tint val="93000"/>
-                <a:satMod val="150000"/>
-                <a:shade val="98000"/>
-                <a:lumMod val="102000"/>
-              </a:schemeClr>
-            </a:gs>
-            <a:gs pos="50000">
-              <a:schemeClr val="phClr">
-                <a:tint val="98000"/>
-                <a:satMod val="130000"/>
-                <a:shade val="90000"/>
-                <a:lumMod val="103000"/>
-              </a:schemeClr>
-            </a:gs>
-            <a:gs pos="100000">
-              <a:schemeClr val="phClr">
-                <a:shade val="63000"/>
-                <a:satMod val="120000"/>
-              </a:schemeClr>
-            </a:gs>
-          </a:gsLst>
-          <a:lin ang="5400000" scaled="0"/>
-        </a:gradFill>
-      </a:bgFillStyleLst>
-    </a:fmtScheme>
-  </a:themeElements>
-  <a:objectDefaults/>
-  <a:extraClrSchemeLst/>
-  <a:extLst>
-    <a:ext uri="{05A4C25C-085E-4340-85A3-A5531E510DB2}">
-      <thm15:themeFamily xmlns:thm15="http://schemas.microsoft.com/office/thememl/2012/main" name="Office Theme" id="{62F939B6-93AF-4DB8-9C6B-D6C7DFDC589F}" vid="{4A3C46E8-61CC-4603-A589-7422A47A8E4A}"/>
-    </a:ext>
-  </a:extLst>
-</a:theme>
 </file>